--- a/ppt 16-9/0473.趁机传扬.pptx
+++ b/ppt 16-9/0473.趁机传扬.pptx
@@ -129,7 +129,7 @@
           <p:cNvPr id="2" name="标题 1">
             <a:extLst>
               <a:ext uri="{FF2B5EF4-FFF2-40B4-BE49-F238E27FC236}">
-                <a16:creationId xmlns:a16="http://schemas.microsoft.com/office/drawing/2014/main" id="{01B73909-D1F2-973E-8BE8-C229A2FB5328}"/>
+                <a16:creationId xmlns:a16="http://schemas.microsoft.com/office/drawing/2014/main" id="{FD93679E-9A40-3D1F-3D6A-B31F5A547905}"/>
               </a:ext>
             </a:extLst>
           </p:cNvPr>
@@ -166,7 +166,7 @@
           <p:cNvPr id="3" name="副标题 2">
             <a:extLst>
               <a:ext uri="{FF2B5EF4-FFF2-40B4-BE49-F238E27FC236}">
-                <a16:creationId xmlns:a16="http://schemas.microsoft.com/office/drawing/2014/main" id="{D9A621DB-4233-1C6D-93D5-5C9F99661ED1}"/>
+                <a16:creationId xmlns:a16="http://schemas.microsoft.com/office/drawing/2014/main" id="{DF3A4AC8-1595-5DAE-BADC-0B83D5018DB3}"/>
               </a:ext>
             </a:extLst>
           </p:cNvPr>
@@ -236,7 +236,7 @@
           <p:cNvPr id="4" name="日期占位符 3">
             <a:extLst>
               <a:ext uri="{FF2B5EF4-FFF2-40B4-BE49-F238E27FC236}">
-                <a16:creationId xmlns:a16="http://schemas.microsoft.com/office/drawing/2014/main" id="{0FDC4925-173D-8B64-47E0-07A308D78FCF}"/>
+                <a16:creationId xmlns:a16="http://schemas.microsoft.com/office/drawing/2014/main" id="{43165431-4706-7294-049B-DC2E3BF31BEF}"/>
               </a:ext>
             </a:extLst>
           </p:cNvPr>
@@ -252,7 +252,7 @@
           <a:bodyPr/>
           <a:lstStyle/>
           <a:p>
-            <a:fld id="{8104BA91-C016-48A5-B651-CE670BA1F4EB}" type="datetimeFigureOut">
+            <a:fld id="{4ADF5A55-8FDA-4139-96F4-486CEB3D9136}" type="datetimeFigureOut">
               <a:rPr lang="zh-CN" altLang="en-US" smtClean="0"/>
               <a:t>2024/3/10</a:t>
             </a:fld>
@@ -265,7 +265,7 @@
           <p:cNvPr id="5" name="页脚占位符 4">
             <a:extLst>
               <a:ext uri="{FF2B5EF4-FFF2-40B4-BE49-F238E27FC236}">
-                <a16:creationId xmlns:a16="http://schemas.microsoft.com/office/drawing/2014/main" id="{297A2C85-32F0-8402-F47B-E26532ACD420}"/>
+                <a16:creationId xmlns:a16="http://schemas.microsoft.com/office/drawing/2014/main" id="{0E310B4D-5BCC-AA82-C82E-709C2AFA41D9}"/>
               </a:ext>
             </a:extLst>
           </p:cNvPr>
@@ -290,7 +290,7 @@
           <p:cNvPr id="6" name="灯片编号占位符 5">
             <a:extLst>
               <a:ext uri="{FF2B5EF4-FFF2-40B4-BE49-F238E27FC236}">
-                <a16:creationId xmlns:a16="http://schemas.microsoft.com/office/drawing/2014/main" id="{41A841FE-E5E9-2E69-B484-B4C76D2427E7}"/>
+                <a16:creationId xmlns:a16="http://schemas.microsoft.com/office/drawing/2014/main" id="{692CF55F-E589-A9E6-C8B3-9C9EF2857F75}"/>
               </a:ext>
             </a:extLst>
           </p:cNvPr>
@@ -306,7 +306,7 @@
           <a:bodyPr/>
           <a:lstStyle/>
           <a:p>
-            <a:fld id="{13462C30-0BDD-469B-9D35-53CBAFEF91CA}" type="slidenum">
+            <a:fld id="{F2969085-862C-47E9-AE1D-D75C96945335}" type="slidenum">
               <a:rPr lang="zh-CN" altLang="en-US" smtClean="0"/>
               <a:t>‹#›</a:t>
             </a:fld>
@@ -317,7 +317,7 @@
     </p:spTree>
     <p:extLst>
       <p:ext uri="{BB962C8B-B14F-4D97-AF65-F5344CB8AC3E}">
-        <p14:creationId xmlns:p14="http://schemas.microsoft.com/office/powerpoint/2010/main" val="2885236383"/>
+        <p14:creationId xmlns:p14="http://schemas.microsoft.com/office/powerpoint/2010/main" val="2615050034"/>
       </p:ext>
     </p:extLst>
   </p:cSld>
@@ -349,7 +349,7 @@
           <p:cNvPr id="2" name="标题 1">
             <a:extLst>
               <a:ext uri="{FF2B5EF4-FFF2-40B4-BE49-F238E27FC236}">
-                <a16:creationId xmlns:a16="http://schemas.microsoft.com/office/drawing/2014/main" id="{4EE64BEF-42C7-2653-7D6D-4C15FB823214}"/>
+                <a16:creationId xmlns:a16="http://schemas.microsoft.com/office/drawing/2014/main" id="{43C5F765-8432-E7A0-F5E6-60CD309040FB}"/>
               </a:ext>
             </a:extLst>
           </p:cNvPr>
@@ -377,7 +377,7 @@
           <p:cNvPr id="3" name="竖排文字占位符 2">
             <a:extLst>
               <a:ext uri="{FF2B5EF4-FFF2-40B4-BE49-F238E27FC236}">
-                <a16:creationId xmlns:a16="http://schemas.microsoft.com/office/drawing/2014/main" id="{62562465-694C-640C-3B45-2FA926635C82}"/>
+                <a16:creationId xmlns:a16="http://schemas.microsoft.com/office/drawing/2014/main" id="{C6F5022B-9607-474B-71A9-27D35921DE4F}"/>
               </a:ext>
             </a:extLst>
           </p:cNvPr>
@@ -434,7 +434,7 @@
           <p:cNvPr id="4" name="日期占位符 3">
             <a:extLst>
               <a:ext uri="{FF2B5EF4-FFF2-40B4-BE49-F238E27FC236}">
-                <a16:creationId xmlns:a16="http://schemas.microsoft.com/office/drawing/2014/main" id="{EEFAAD51-2C16-1871-772F-070B40E35A04}"/>
+                <a16:creationId xmlns:a16="http://schemas.microsoft.com/office/drawing/2014/main" id="{0E29866D-6745-148E-993A-80F1FC21CFED}"/>
               </a:ext>
             </a:extLst>
           </p:cNvPr>
@@ -450,7 +450,7 @@
           <a:bodyPr/>
           <a:lstStyle/>
           <a:p>
-            <a:fld id="{8104BA91-C016-48A5-B651-CE670BA1F4EB}" type="datetimeFigureOut">
+            <a:fld id="{4ADF5A55-8FDA-4139-96F4-486CEB3D9136}" type="datetimeFigureOut">
               <a:rPr lang="zh-CN" altLang="en-US" smtClean="0"/>
               <a:t>2024/3/10</a:t>
             </a:fld>
@@ -463,7 +463,7 @@
           <p:cNvPr id="5" name="页脚占位符 4">
             <a:extLst>
               <a:ext uri="{FF2B5EF4-FFF2-40B4-BE49-F238E27FC236}">
-                <a16:creationId xmlns:a16="http://schemas.microsoft.com/office/drawing/2014/main" id="{ED3EF3E0-909B-0775-FB66-86731F6517B5}"/>
+                <a16:creationId xmlns:a16="http://schemas.microsoft.com/office/drawing/2014/main" id="{6ED703EE-9252-5492-5B61-C393594AF7AC}"/>
               </a:ext>
             </a:extLst>
           </p:cNvPr>
@@ -488,7 +488,7 @@
           <p:cNvPr id="6" name="灯片编号占位符 5">
             <a:extLst>
               <a:ext uri="{FF2B5EF4-FFF2-40B4-BE49-F238E27FC236}">
-                <a16:creationId xmlns:a16="http://schemas.microsoft.com/office/drawing/2014/main" id="{CC93DED7-D171-3DCA-7535-54CE51AC7C03}"/>
+                <a16:creationId xmlns:a16="http://schemas.microsoft.com/office/drawing/2014/main" id="{0860AFD1-7D06-5FEF-7BE4-A16C75CC81B3}"/>
               </a:ext>
             </a:extLst>
           </p:cNvPr>
@@ -504,7 +504,7 @@
           <a:bodyPr/>
           <a:lstStyle/>
           <a:p>
-            <a:fld id="{13462C30-0BDD-469B-9D35-53CBAFEF91CA}" type="slidenum">
+            <a:fld id="{F2969085-862C-47E9-AE1D-D75C96945335}" type="slidenum">
               <a:rPr lang="zh-CN" altLang="en-US" smtClean="0"/>
               <a:t>‹#›</a:t>
             </a:fld>
@@ -515,7 +515,7 @@
     </p:spTree>
     <p:extLst>
       <p:ext uri="{BB962C8B-B14F-4D97-AF65-F5344CB8AC3E}">
-        <p14:creationId xmlns:p14="http://schemas.microsoft.com/office/powerpoint/2010/main" val="1104025756"/>
+        <p14:creationId xmlns:p14="http://schemas.microsoft.com/office/powerpoint/2010/main" val="565267196"/>
       </p:ext>
     </p:extLst>
   </p:cSld>
@@ -547,7 +547,7 @@
           <p:cNvPr id="2" name="竖排标题 1">
             <a:extLst>
               <a:ext uri="{FF2B5EF4-FFF2-40B4-BE49-F238E27FC236}">
-                <a16:creationId xmlns:a16="http://schemas.microsoft.com/office/drawing/2014/main" id="{59AFFB8E-B73F-63F4-35DB-DF9E6D60B35A}"/>
+                <a16:creationId xmlns:a16="http://schemas.microsoft.com/office/drawing/2014/main" id="{46D79EB5-7910-E9F4-9CD5-4272DE24B6D0}"/>
               </a:ext>
             </a:extLst>
           </p:cNvPr>
@@ -580,7 +580,7 @@
           <p:cNvPr id="3" name="竖排文字占位符 2">
             <a:extLst>
               <a:ext uri="{FF2B5EF4-FFF2-40B4-BE49-F238E27FC236}">
-                <a16:creationId xmlns:a16="http://schemas.microsoft.com/office/drawing/2014/main" id="{CA7F9AE1-E200-6585-0202-8DE63D335B24}"/>
+                <a16:creationId xmlns:a16="http://schemas.microsoft.com/office/drawing/2014/main" id="{872E69DA-E36D-4021-15D0-886E4B81C9C5}"/>
               </a:ext>
             </a:extLst>
           </p:cNvPr>
@@ -642,7 +642,7 @@
           <p:cNvPr id="4" name="日期占位符 3">
             <a:extLst>
               <a:ext uri="{FF2B5EF4-FFF2-40B4-BE49-F238E27FC236}">
-                <a16:creationId xmlns:a16="http://schemas.microsoft.com/office/drawing/2014/main" id="{8B8C65B7-7F56-473D-CF08-904B5FB8E07C}"/>
+                <a16:creationId xmlns:a16="http://schemas.microsoft.com/office/drawing/2014/main" id="{21964EF9-0A94-280E-EF85-BD9158C55AA4}"/>
               </a:ext>
             </a:extLst>
           </p:cNvPr>
@@ -658,7 +658,7 @@
           <a:bodyPr/>
           <a:lstStyle/>
           <a:p>
-            <a:fld id="{8104BA91-C016-48A5-B651-CE670BA1F4EB}" type="datetimeFigureOut">
+            <a:fld id="{4ADF5A55-8FDA-4139-96F4-486CEB3D9136}" type="datetimeFigureOut">
               <a:rPr lang="zh-CN" altLang="en-US" smtClean="0"/>
               <a:t>2024/3/10</a:t>
             </a:fld>
@@ -671,7 +671,7 @@
           <p:cNvPr id="5" name="页脚占位符 4">
             <a:extLst>
               <a:ext uri="{FF2B5EF4-FFF2-40B4-BE49-F238E27FC236}">
-                <a16:creationId xmlns:a16="http://schemas.microsoft.com/office/drawing/2014/main" id="{A43E3D79-1DE3-F0B6-F307-2965DC03E402}"/>
+                <a16:creationId xmlns:a16="http://schemas.microsoft.com/office/drawing/2014/main" id="{469719FB-8A72-3BF5-CAB5-20D8374AF25C}"/>
               </a:ext>
             </a:extLst>
           </p:cNvPr>
@@ -696,7 +696,7 @@
           <p:cNvPr id="6" name="灯片编号占位符 5">
             <a:extLst>
               <a:ext uri="{FF2B5EF4-FFF2-40B4-BE49-F238E27FC236}">
-                <a16:creationId xmlns:a16="http://schemas.microsoft.com/office/drawing/2014/main" id="{2F74743C-9D43-64D1-6DF9-BB153BD446CC}"/>
+                <a16:creationId xmlns:a16="http://schemas.microsoft.com/office/drawing/2014/main" id="{F35E2A00-33EA-D6F6-FE94-E3F7B7D4E6B1}"/>
               </a:ext>
             </a:extLst>
           </p:cNvPr>
@@ -712,7 +712,7 @@
           <a:bodyPr/>
           <a:lstStyle/>
           <a:p>
-            <a:fld id="{13462C30-0BDD-469B-9D35-53CBAFEF91CA}" type="slidenum">
+            <a:fld id="{F2969085-862C-47E9-AE1D-D75C96945335}" type="slidenum">
               <a:rPr lang="zh-CN" altLang="en-US" smtClean="0"/>
               <a:t>‹#›</a:t>
             </a:fld>
@@ -723,7 +723,7 @@
     </p:spTree>
     <p:extLst>
       <p:ext uri="{BB962C8B-B14F-4D97-AF65-F5344CB8AC3E}">
-        <p14:creationId xmlns:p14="http://schemas.microsoft.com/office/powerpoint/2010/main" val="2411240397"/>
+        <p14:creationId xmlns:p14="http://schemas.microsoft.com/office/powerpoint/2010/main" val="3479141600"/>
       </p:ext>
     </p:extLst>
   </p:cSld>
@@ -755,7 +755,7 @@
           <p:cNvPr id="2" name="标题 1">
             <a:extLst>
               <a:ext uri="{FF2B5EF4-FFF2-40B4-BE49-F238E27FC236}">
-                <a16:creationId xmlns:a16="http://schemas.microsoft.com/office/drawing/2014/main" id="{5649C13C-8C81-D325-E5E5-1F41C8D4A053}"/>
+                <a16:creationId xmlns:a16="http://schemas.microsoft.com/office/drawing/2014/main" id="{982A104C-66B1-E18C-4DF7-C705755CD397}"/>
               </a:ext>
             </a:extLst>
           </p:cNvPr>
@@ -783,7 +783,7 @@
           <p:cNvPr id="3" name="内容占位符 2">
             <a:extLst>
               <a:ext uri="{FF2B5EF4-FFF2-40B4-BE49-F238E27FC236}">
-                <a16:creationId xmlns:a16="http://schemas.microsoft.com/office/drawing/2014/main" id="{F4106B9C-FDCF-D763-A5CB-AAD447CB5163}"/>
+                <a16:creationId xmlns:a16="http://schemas.microsoft.com/office/drawing/2014/main" id="{D230B0E5-D01F-6B81-73A0-7F9A27340135}"/>
               </a:ext>
             </a:extLst>
           </p:cNvPr>
@@ -840,7 +840,7 @@
           <p:cNvPr id="4" name="日期占位符 3">
             <a:extLst>
               <a:ext uri="{FF2B5EF4-FFF2-40B4-BE49-F238E27FC236}">
-                <a16:creationId xmlns:a16="http://schemas.microsoft.com/office/drawing/2014/main" id="{0F6F4D9B-BE72-99A8-F807-1E57907629F5}"/>
+                <a16:creationId xmlns:a16="http://schemas.microsoft.com/office/drawing/2014/main" id="{859688FB-4724-95E6-6D54-E8D54360E1C5}"/>
               </a:ext>
             </a:extLst>
           </p:cNvPr>
@@ -856,7 +856,7 @@
           <a:bodyPr/>
           <a:lstStyle/>
           <a:p>
-            <a:fld id="{8104BA91-C016-48A5-B651-CE670BA1F4EB}" type="datetimeFigureOut">
+            <a:fld id="{4ADF5A55-8FDA-4139-96F4-486CEB3D9136}" type="datetimeFigureOut">
               <a:rPr lang="zh-CN" altLang="en-US" smtClean="0"/>
               <a:t>2024/3/10</a:t>
             </a:fld>
@@ -869,7 +869,7 @@
           <p:cNvPr id="5" name="页脚占位符 4">
             <a:extLst>
               <a:ext uri="{FF2B5EF4-FFF2-40B4-BE49-F238E27FC236}">
-                <a16:creationId xmlns:a16="http://schemas.microsoft.com/office/drawing/2014/main" id="{9E8AE339-50EC-98D7-5A87-EF585D773573}"/>
+                <a16:creationId xmlns:a16="http://schemas.microsoft.com/office/drawing/2014/main" id="{26E2E777-6DB7-6B43-CAFE-8EB29E18F14F}"/>
               </a:ext>
             </a:extLst>
           </p:cNvPr>
@@ -894,7 +894,7 @@
           <p:cNvPr id="6" name="灯片编号占位符 5">
             <a:extLst>
               <a:ext uri="{FF2B5EF4-FFF2-40B4-BE49-F238E27FC236}">
-                <a16:creationId xmlns:a16="http://schemas.microsoft.com/office/drawing/2014/main" id="{1C3842EE-D2D7-5679-9776-B3167852A97A}"/>
+                <a16:creationId xmlns:a16="http://schemas.microsoft.com/office/drawing/2014/main" id="{62F7EBC3-4BAA-F078-4EB8-976E42B1F9CB}"/>
               </a:ext>
             </a:extLst>
           </p:cNvPr>
@@ -910,7 +910,7 @@
           <a:bodyPr/>
           <a:lstStyle/>
           <a:p>
-            <a:fld id="{13462C30-0BDD-469B-9D35-53CBAFEF91CA}" type="slidenum">
+            <a:fld id="{F2969085-862C-47E9-AE1D-D75C96945335}" type="slidenum">
               <a:rPr lang="zh-CN" altLang="en-US" smtClean="0"/>
               <a:t>‹#›</a:t>
             </a:fld>
@@ -921,7 +921,7 @@
     </p:spTree>
     <p:extLst>
       <p:ext uri="{BB962C8B-B14F-4D97-AF65-F5344CB8AC3E}">
-        <p14:creationId xmlns:p14="http://schemas.microsoft.com/office/powerpoint/2010/main" val="3308926114"/>
+        <p14:creationId xmlns:p14="http://schemas.microsoft.com/office/powerpoint/2010/main" val="3940464359"/>
       </p:ext>
     </p:extLst>
   </p:cSld>
@@ -953,7 +953,7 @@
           <p:cNvPr id="2" name="标题 1">
             <a:extLst>
               <a:ext uri="{FF2B5EF4-FFF2-40B4-BE49-F238E27FC236}">
-                <a16:creationId xmlns:a16="http://schemas.microsoft.com/office/drawing/2014/main" id="{CF221F5C-B437-E3CD-834A-3AB7C132008F}"/>
+                <a16:creationId xmlns:a16="http://schemas.microsoft.com/office/drawing/2014/main" id="{2158DA18-2618-0117-E62F-5684CD0D0A2E}"/>
               </a:ext>
             </a:extLst>
           </p:cNvPr>
@@ -990,7 +990,7 @@
           <p:cNvPr id="3" name="文本占位符 2">
             <a:extLst>
               <a:ext uri="{FF2B5EF4-FFF2-40B4-BE49-F238E27FC236}">
-                <a16:creationId xmlns:a16="http://schemas.microsoft.com/office/drawing/2014/main" id="{4AC1F1D9-FAF2-EA18-3796-AB3C2E00257E}"/>
+                <a16:creationId xmlns:a16="http://schemas.microsoft.com/office/drawing/2014/main" id="{96FE9F15-4CC3-92D3-7721-8A04EC266AF8}"/>
               </a:ext>
             </a:extLst>
           </p:cNvPr>
@@ -1115,7 +1115,7 @@
           <p:cNvPr id="4" name="日期占位符 3">
             <a:extLst>
               <a:ext uri="{FF2B5EF4-FFF2-40B4-BE49-F238E27FC236}">
-                <a16:creationId xmlns:a16="http://schemas.microsoft.com/office/drawing/2014/main" id="{F06806F8-9277-05D4-A855-668A3C311F06}"/>
+                <a16:creationId xmlns:a16="http://schemas.microsoft.com/office/drawing/2014/main" id="{6952EDE0-EDC1-D26F-CA28-CB6279C132CF}"/>
               </a:ext>
             </a:extLst>
           </p:cNvPr>
@@ -1131,7 +1131,7 @@
           <a:bodyPr/>
           <a:lstStyle/>
           <a:p>
-            <a:fld id="{8104BA91-C016-48A5-B651-CE670BA1F4EB}" type="datetimeFigureOut">
+            <a:fld id="{4ADF5A55-8FDA-4139-96F4-486CEB3D9136}" type="datetimeFigureOut">
               <a:rPr lang="zh-CN" altLang="en-US" smtClean="0"/>
               <a:t>2024/3/10</a:t>
             </a:fld>
@@ -1144,7 +1144,7 @@
           <p:cNvPr id="5" name="页脚占位符 4">
             <a:extLst>
               <a:ext uri="{FF2B5EF4-FFF2-40B4-BE49-F238E27FC236}">
-                <a16:creationId xmlns:a16="http://schemas.microsoft.com/office/drawing/2014/main" id="{8FBD5135-BC90-16AC-F082-C83F66903178}"/>
+                <a16:creationId xmlns:a16="http://schemas.microsoft.com/office/drawing/2014/main" id="{7C94D0FF-B1F0-D94D-9E84-6E980092A60A}"/>
               </a:ext>
             </a:extLst>
           </p:cNvPr>
@@ -1169,7 +1169,7 @@
           <p:cNvPr id="6" name="灯片编号占位符 5">
             <a:extLst>
               <a:ext uri="{FF2B5EF4-FFF2-40B4-BE49-F238E27FC236}">
-                <a16:creationId xmlns:a16="http://schemas.microsoft.com/office/drawing/2014/main" id="{E5B0F799-4DF0-26CE-3F74-422DCEF37712}"/>
+                <a16:creationId xmlns:a16="http://schemas.microsoft.com/office/drawing/2014/main" id="{41B58DF6-2CE1-A561-5BEF-BB3C4602C4C2}"/>
               </a:ext>
             </a:extLst>
           </p:cNvPr>
@@ -1185,7 +1185,7 @@
           <a:bodyPr/>
           <a:lstStyle/>
           <a:p>
-            <a:fld id="{13462C30-0BDD-469B-9D35-53CBAFEF91CA}" type="slidenum">
+            <a:fld id="{F2969085-862C-47E9-AE1D-D75C96945335}" type="slidenum">
               <a:rPr lang="zh-CN" altLang="en-US" smtClean="0"/>
               <a:t>‹#›</a:t>
             </a:fld>
@@ -1196,7 +1196,7 @@
     </p:spTree>
     <p:extLst>
       <p:ext uri="{BB962C8B-B14F-4D97-AF65-F5344CB8AC3E}">
-        <p14:creationId xmlns:p14="http://schemas.microsoft.com/office/powerpoint/2010/main" val="3929703496"/>
+        <p14:creationId xmlns:p14="http://schemas.microsoft.com/office/powerpoint/2010/main" val="1688569529"/>
       </p:ext>
     </p:extLst>
   </p:cSld>
@@ -1228,7 +1228,7 @@
           <p:cNvPr id="2" name="标题 1">
             <a:extLst>
               <a:ext uri="{FF2B5EF4-FFF2-40B4-BE49-F238E27FC236}">
-                <a16:creationId xmlns:a16="http://schemas.microsoft.com/office/drawing/2014/main" id="{741DE0B6-2F7E-4D7E-A51B-3BA33907AC33}"/>
+                <a16:creationId xmlns:a16="http://schemas.microsoft.com/office/drawing/2014/main" id="{02745D2B-BC65-23C2-9114-58FDF2C7C64E}"/>
               </a:ext>
             </a:extLst>
           </p:cNvPr>
@@ -1256,7 +1256,7 @@
           <p:cNvPr id="3" name="内容占位符 2">
             <a:extLst>
               <a:ext uri="{FF2B5EF4-FFF2-40B4-BE49-F238E27FC236}">
-                <a16:creationId xmlns:a16="http://schemas.microsoft.com/office/drawing/2014/main" id="{ADDEFCA0-E154-0FE1-EA42-1ED3CDE969DA}"/>
+                <a16:creationId xmlns:a16="http://schemas.microsoft.com/office/drawing/2014/main" id="{DEBA8470-3455-5695-664A-6A9E2769A247}"/>
               </a:ext>
             </a:extLst>
           </p:cNvPr>
@@ -1318,7 +1318,7 @@
           <p:cNvPr id="4" name="内容占位符 3">
             <a:extLst>
               <a:ext uri="{FF2B5EF4-FFF2-40B4-BE49-F238E27FC236}">
-                <a16:creationId xmlns:a16="http://schemas.microsoft.com/office/drawing/2014/main" id="{B6FF50CD-8BED-C085-CC1C-E2834D00F67A}"/>
+                <a16:creationId xmlns:a16="http://schemas.microsoft.com/office/drawing/2014/main" id="{4B569D03-1948-46DF-E4A0-8DF3A79850D0}"/>
               </a:ext>
             </a:extLst>
           </p:cNvPr>
@@ -1380,7 +1380,7 @@
           <p:cNvPr id="5" name="日期占位符 4">
             <a:extLst>
               <a:ext uri="{FF2B5EF4-FFF2-40B4-BE49-F238E27FC236}">
-                <a16:creationId xmlns:a16="http://schemas.microsoft.com/office/drawing/2014/main" id="{471BBF3E-70AF-E4D6-ACAC-FB58D7A7C05D}"/>
+                <a16:creationId xmlns:a16="http://schemas.microsoft.com/office/drawing/2014/main" id="{CE0ED656-43A8-60E5-531F-865B8F8B1499}"/>
               </a:ext>
             </a:extLst>
           </p:cNvPr>
@@ -1396,7 +1396,7 @@
           <a:bodyPr/>
           <a:lstStyle/>
           <a:p>
-            <a:fld id="{8104BA91-C016-48A5-B651-CE670BA1F4EB}" type="datetimeFigureOut">
+            <a:fld id="{4ADF5A55-8FDA-4139-96F4-486CEB3D9136}" type="datetimeFigureOut">
               <a:rPr lang="zh-CN" altLang="en-US" smtClean="0"/>
               <a:t>2024/3/10</a:t>
             </a:fld>
@@ -1409,7 +1409,7 @@
           <p:cNvPr id="6" name="页脚占位符 5">
             <a:extLst>
               <a:ext uri="{FF2B5EF4-FFF2-40B4-BE49-F238E27FC236}">
-                <a16:creationId xmlns:a16="http://schemas.microsoft.com/office/drawing/2014/main" id="{BBACAE64-DAAF-5300-F291-B6203091E282}"/>
+                <a16:creationId xmlns:a16="http://schemas.microsoft.com/office/drawing/2014/main" id="{E28F1047-171E-4D1A-3EAC-C7C45D2BE505}"/>
               </a:ext>
             </a:extLst>
           </p:cNvPr>
@@ -1434,7 +1434,7 @@
           <p:cNvPr id="7" name="灯片编号占位符 6">
             <a:extLst>
               <a:ext uri="{FF2B5EF4-FFF2-40B4-BE49-F238E27FC236}">
-                <a16:creationId xmlns:a16="http://schemas.microsoft.com/office/drawing/2014/main" id="{EB168A0C-A280-9CA9-276E-E09654E357D0}"/>
+                <a16:creationId xmlns:a16="http://schemas.microsoft.com/office/drawing/2014/main" id="{2D1CC402-7C1F-7D2A-28BF-57DE41E58323}"/>
               </a:ext>
             </a:extLst>
           </p:cNvPr>
@@ -1450,7 +1450,7 @@
           <a:bodyPr/>
           <a:lstStyle/>
           <a:p>
-            <a:fld id="{13462C30-0BDD-469B-9D35-53CBAFEF91CA}" type="slidenum">
+            <a:fld id="{F2969085-862C-47E9-AE1D-D75C96945335}" type="slidenum">
               <a:rPr lang="zh-CN" altLang="en-US" smtClean="0"/>
               <a:t>‹#›</a:t>
             </a:fld>
@@ -1461,7 +1461,7 @@
     </p:spTree>
     <p:extLst>
       <p:ext uri="{BB962C8B-B14F-4D97-AF65-F5344CB8AC3E}">
-        <p14:creationId xmlns:p14="http://schemas.microsoft.com/office/powerpoint/2010/main" val="392101633"/>
+        <p14:creationId xmlns:p14="http://schemas.microsoft.com/office/powerpoint/2010/main" val="4132531463"/>
       </p:ext>
     </p:extLst>
   </p:cSld>
@@ -1493,7 +1493,7 @@
           <p:cNvPr id="2" name="标题 1">
             <a:extLst>
               <a:ext uri="{FF2B5EF4-FFF2-40B4-BE49-F238E27FC236}">
-                <a16:creationId xmlns:a16="http://schemas.microsoft.com/office/drawing/2014/main" id="{D37A8A5D-26D0-49F7-A1A7-9FFD4F402977}"/>
+                <a16:creationId xmlns:a16="http://schemas.microsoft.com/office/drawing/2014/main" id="{8AF9D713-CBC3-3FDB-5BE3-A8DD870B41E2}"/>
               </a:ext>
             </a:extLst>
           </p:cNvPr>
@@ -1526,7 +1526,7 @@
           <p:cNvPr id="3" name="文本占位符 2">
             <a:extLst>
               <a:ext uri="{FF2B5EF4-FFF2-40B4-BE49-F238E27FC236}">
-                <a16:creationId xmlns:a16="http://schemas.microsoft.com/office/drawing/2014/main" id="{3B09C958-856E-F562-2233-4D86CB5672A5}"/>
+                <a16:creationId xmlns:a16="http://schemas.microsoft.com/office/drawing/2014/main" id="{CA6E1694-C95D-9BD6-A6FF-AF97BF678014}"/>
               </a:ext>
             </a:extLst>
           </p:cNvPr>
@@ -1597,7 +1597,7 @@
           <p:cNvPr id="4" name="内容占位符 3">
             <a:extLst>
               <a:ext uri="{FF2B5EF4-FFF2-40B4-BE49-F238E27FC236}">
-                <a16:creationId xmlns:a16="http://schemas.microsoft.com/office/drawing/2014/main" id="{9B14ACFF-DDF2-8E5A-AF47-4354272C6DEC}"/>
+                <a16:creationId xmlns:a16="http://schemas.microsoft.com/office/drawing/2014/main" id="{FBFE7F40-F758-C3A5-49A7-212D3D606690}"/>
               </a:ext>
             </a:extLst>
           </p:cNvPr>
@@ -1659,7 +1659,7 @@
           <p:cNvPr id="5" name="文本占位符 4">
             <a:extLst>
               <a:ext uri="{FF2B5EF4-FFF2-40B4-BE49-F238E27FC236}">
-                <a16:creationId xmlns:a16="http://schemas.microsoft.com/office/drawing/2014/main" id="{32B875BA-5294-639B-00AF-369581C1E8E6}"/>
+                <a16:creationId xmlns:a16="http://schemas.microsoft.com/office/drawing/2014/main" id="{5C8308AE-5ED9-5FA8-5E89-053A9C04F882}"/>
               </a:ext>
             </a:extLst>
           </p:cNvPr>
@@ -1730,7 +1730,7 @@
           <p:cNvPr id="6" name="内容占位符 5">
             <a:extLst>
               <a:ext uri="{FF2B5EF4-FFF2-40B4-BE49-F238E27FC236}">
-                <a16:creationId xmlns:a16="http://schemas.microsoft.com/office/drawing/2014/main" id="{FDC099AF-54BD-01FF-7A1B-111FF3EA522D}"/>
+                <a16:creationId xmlns:a16="http://schemas.microsoft.com/office/drawing/2014/main" id="{7A1856C8-26AE-7F16-8ECD-65747A5ACD4F}"/>
               </a:ext>
             </a:extLst>
           </p:cNvPr>
@@ -1792,7 +1792,7 @@
           <p:cNvPr id="7" name="日期占位符 6">
             <a:extLst>
               <a:ext uri="{FF2B5EF4-FFF2-40B4-BE49-F238E27FC236}">
-                <a16:creationId xmlns:a16="http://schemas.microsoft.com/office/drawing/2014/main" id="{B190FD20-1A96-2B44-0D5A-075D1EA218C7}"/>
+                <a16:creationId xmlns:a16="http://schemas.microsoft.com/office/drawing/2014/main" id="{AD0A4FFD-6623-C1E3-ABD8-6309FE9C14DE}"/>
               </a:ext>
             </a:extLst>
           </p:cNvPr>
@@ -1808,7 +1808,7 @@
           <a:bodyPr/>
           <a:lstStyle/>
           <a:p>
-            <a:fld id="{8104BA91-C016-48A5-B651-CE670BA1F4EB}" type="datetimeFigureOut">
+            <a:fld id="{4ADF5A55-8FDA-4139-96F4-486CEB3D9136}" type="datetimeFigureOut">
               <a:rPr lang="zh-CN" altLang="en-US" smtClean="0"/>
               <a:t>2024/3/10</a:t>
             </a:fld>
@@ -1821,7 +1821,7 @@
           <p:cNvPr id="8" name="页脚占位符 7">
             <a:extLst>
               <a:ext uri="{FF2B5EF4-FFF2-40B4-BE49-F238E27FC236}">
-                <a16:creationId xmlns:a16="http://schemas.microsoft.com/office/drawing/2014/main" id="{FB66B283-AC7F-2824-5ABF-4AC6B4493CB1}"/>
+                <a16:creationId xmlns:a16="http://schemas.microsoft.com/office/drawing/2014/main" id="{CA4C8F93-BD51-0CFF-5CF6-79F15BDDB354}"/>
               </a:ext>
             </a:extLst>
           </p:cNvPr>
@@ -1846,7 +1846,7 @@
           <p:cNvPr id="9" name="灯片编号占位符 8">
             <a:extLst>
               <a:ext uri="{FF2B5EF4-FFF2-40B4-BE49-F238E27FC236}">
-                <a16:creationId xmlns:a16="http://schemas.microsoft.com/office/drawing/2014/main" id="{04440721-DE10-466E-A933-4E551B5CE453}"/>
+                <a16:creationId xmlns:a16="http://schemas.microsoft.com/office/drawing/2014/main" id="{3AB63583-804C-D3FF-B98A-2E1241AE75CB}"/>
               </a:ext>
             </a:extLst>
           </p:cNvPr>
@@ -1862,7 +1862,7 @@
           <a:bodyPr/>
           <a:lstStyle/>
           <a:p>
-            <a:fld id="{13462C30-0BDD-469B-9D35-53CBAFEF91CA}" type="slidenum">
+            <a:fld id="{F2969085-862C-47E9-AE1D-D75C96945335}" type="slidenum">
               <a:rPr lang="zh-CN" altLang="en-US" smtClean="0"/>
               <a:t>‹#›</a:t>
             </a:fld>
@@ -1873,7 +1873,7 @@
     </p:spTree>
     <p:extLst>
       <p:ext uri="{BB962C8B-B14F-4D97-AF65-F5344CB8AC3E}">
-        <p14:creationId xmlns:p14="http://schemas.microsoft.com/office/powerpoint/2010/main" val="961384417"/>
+        <p14:creationId xmlns:p14="http://schemas.microsoft.com/office/powerpoint/2010/main" val="4075184504"/>
       </p:ext>
     </p:extLst>
   </p:cSld>
@@ -1905,7 +1905,7 @@
           <p:cNvPr id="2" name="标题 1">
             <a:extLst>
               <a:ext uri="{FF2B5EF4-FFF2-40B4-BE49-F238E27FC236}">
-                <a16:creationId xmlns:a16="http://schemas.microsoft.com/office/drawing/2014/main" id="{586DE0A6-840B-7C18-39A5-37E0E4F4F7AF}"/>
+                <a16:creationId xmlns:a16="http://schemas.microsoft.com/office/drawing/2014/main" id="{030F4C6F-7EDC-D70E-9178-2C748B0415D1}"/>
               </a:ext>
             </a:extLst>
           </p:cNvPr>
@@ -1933,7 +1933,7 @@
           <p:cNvPr id="3" name="日期占位符 2">
             <a:extLst>
               <a:ext uri="{FF2B5EF4-FFF2-40B4-BE49-F238E27FC236}">
-                <a16:creationId xmlns:a16="http://schemas.microsoft.com/office/drawing/2014/main" id="{7CC27413-BB32-A6FB-99A4-42FDF90C52EF}"/>
+                <a16:creationId xmlns:a16="http://schemas.microsoft.com/office/drawing/2014/main" id="{601F3658-396F-0C9D-AD5E-342829B0E58D}"/>
               </a:ext>
             </a:extLst>
           </p:cNvPr>
@@ -1949,7 +1949,7 @@
           <a:bodyPr/>
           <a:lstStyle/>
           <a:p>
-            <a:fld id="{8104BA91-C016-48A5-B651-CE670BA1F4EB}" type="datetimeFigureOut">
+            <a:fld id="{4ADF5A55-8FDA-4139-96F4-486CEB3D9136}" type="datetimeFigureOut">
               <a:rPr lang="zh-CN" altLang="en-US" smtClean="0"/>
               <a:t>2024/3/10</a:t>
             </a:fld>
@@ -1962,7 +1962,7 @@
           <p:cNvPr id="4" name="页脚占位符 3">
             <a:extLst>
               <a:ext uri="{FF2B5EF4-FFF2-40B4-BE49-F238E27FC236}">
-                <a16:creationId xmlns:a16="http://schemas.microsoft.com/office/drawing/2014/main" id="{88ADE5B8-D5C5-C526-AED9-219ADAAE4AD3}"/>
+                <a16:creationId xmlns:a16="http://schemas.microsoft.com/office/drawing/2014/main" id="{6DA56837-3F7A-C448-B096-B40CE2E7EAE9}"/>
               </a:ext>
             </a:extLst>
           </p:cNvPr>
@@ -1987,7 +1987,7 @@
           <p:cNvPr id="5" name="灯片编号占位符 4">
             <a:extLst>
               <a:ext uri="{FF2B5EF4-FFF2-40B4-BE49-F238E27FC236}">
-                <a16:creationId xmlns:a16="http://schemas.microsoft.com/office/drawing/2014/main" id="{4AA2BC21-CE15-7FD4-3DBC-36DE23695A8B}"/>
+                <a16:creationId xmlns:a16="http://schemas.microsoft.com/office/drawing/2014/main" id="{070F7F3B-EF7B-34E5-C64A-53D1C57011E9}"/>
               </a:ext>
             </a:extLst>
           </p:cNvPr>
@@ -2003,7 +2003,7 @@
           <a:bodyPr/>
           <a:lstStyle/>
           <a:p>
-            <a:fld id="{13462C30-0BDD-469B-9D35-53CBAFEF91CA}" type="slidenum">
+            <a:fld id="{F2969085-862C-47E9-AE1D-D75C96945335}" type="slidenum">
               <a:rPr lang="zh-CN" altLang="en-US" smtClean="0"/>
               <a:t>‹#›</a:t>
             </a:fld>
@@ -2014,7 +2014,7 @@
     </p:spTree>
     <p:extLst>
       <p:ext uri="{BB962C8B-B14F-4D97-AF65-F5344CB8AC3E}">
-        <p14:creationId xmlns:p14="http://schemas.microsoft.com/office/powerpoint/2010/main" val="2983207269"/>
+        <p14:creationId xmlns:p14="http://schemas.microsoft.com/office/powerpoint/2010/main" val="531903980"/>
       </p:ext>
     </p:extLst>
   </p:cSld>
@@ -2046,7 +2046,7 @@
           <p:cNvPr id="2" name="日期占位符 1">
             <a:extLst>
               <a:ext uri="{FF2B5EF4-FFF2-40B4-BE49-F238E27FC236}">
-                <a16:creationId xmlns:a16="http://schemas.microsoft.com/office/drawing/2014/main" id="{C8248848-309F-496B-F755-50EFC4FD4E77}"/>
+                <a16:creationId xmlns:a16="http://schemas.microsoft.com/office/drawing/2014/main" id="{5BE472C9-0978-4E7F-A0A0-1A8FB172D84E}"/>
               </a:ext>
             </a:extLst>
           </p:cNvPr>
@@ -2062,7 +2062,7 @@
           <a:bodyPr/>
           <a:lstStyle/>
           <a:p>
-            <a:fld id="{8104BA91-C016-48A5-B651-CE670BA1F4EB}" type="datetimeFigureOut">
+            <a:fld id="{4ADF5A55-8FDA-4139-96F4-486CEB3D9136}" type="datetimeFigureOut">
               <a:rPr lang="zh-CN" altLang="en-US" smtClean="0"/>
               <a:t>2024/3/10</a:t>
             </a:fld>
@@ -2075,7 +2075,7 @@
           <p:cNvPr id="3" name="页脚占位符 2">
             <a:extLst>
               <a:ext uri="{FF2B5EF4-FFF2-40B4-BE49-F238E27FC236}">
-                <a16:creationId xmlns:a16="http://schemas.microsoft.com/office/drawing/2014/main" id="{96CD05D7-C00C-1DC2-D742-5CCEC54D0E71}"/>
+                <a16:creationId xmlns:a16="http://schemas.microsoft.com/office/drawing/2014/main" id="{926CB304-2876-2C08-8493-7A1CF6F164A7}"/>
               </a:ext>
             </a:extLst>
           </p:cNvPr>
@@ -2100,7 +2100,7 @@
           <p:cNvPr id="4" name="灯片编号占位符 3">
             <a:extLst>
               <a:ext uri="{FF2B5EF4-FFF2-40B4-BE49-F238E27FC236}">
-                <a16:creationId xmlns:a16="http://schemas.microsoft.com/office/drawing/2014/main" id="{6188A5E2-93E6-8986-926F-F1123FE56F3A}"/>
+                <a16:creationId xmlns:a16="http://schemas.microsoft.com/office/drawing/2014/main" id="{0E0BDE19-CDB4-828A-4A36-F80C4F6ADEA2}"/>
               </a:ext>
             </a:extLst>
           </p:cNvPr>
@@ -2116,7 +2116,7 @@
           <a:bodyPr/>
           <a:lstStyle/>
           <a:p>
-            <a:fld id="{13462C30-0BDD-469B-9D35-53CBAFEF91CA}" type="slidenum">
+            <a:fld id="{F2969085-862C-47E9-AE1D-D75C96945335}" type="slidenum">
               <a:rPr lang="zh-CN" altLang="en-US" smtClean="0"/>
               <a:t>‹#›</a:t>
             </a:fld>
@@ -2127,7 +2127,7 @@
     </p:spTree>
     <p:extLst>
       <p:ext uri="{BB962C8B-B14F-4D97-AF65-F5344CB8AC3E}">
-        <p14:creationId xmlns:p14="http://schemas.microsoft.com/office/powerpoint/2010/main" val="3790701464"/>
+        <p14:creationId xmlns:p14="http://schemas.microsoft.com/office/powerpoint/2010/main" val="1910201707"/>
       </p:ext>
     </p:extLst>
   </p:cSld>
@@ -2159,7 +2159,7 @@
           <p:cNvPr id="2" name="标题 1">
             <a:extLst>
               <a:ext uri="{FF2B5EF4-FFF2-40B4-BE49-F238E27FC236}">
-                <a16:creationId xmlns:a16="http://schemas.microsoft.com/office/drawing/2014/main" id="{875EC19F-4B65-B0EC-FB0C-54C3236B9342}"/>
+                <a16:creationId xmlns:a16="http://schemas.microsoft.com/office/drawing/2014/main" id="{89C88725-E39C-3C98-7BC4-50E3294D970D}"/>
               </a:ext>
             </a:extLst>
           </p:cNvPr>
@@ -2196,7 +2196,7 @@
           <p:cNvPr id="3" name="内容占位符 2">
             <a:extLst>
               <a:ext uri="{FF2B5EF4-FFF2-40B4-BE49-F238E27FC236}">
-                <a16:creationId xmlns:a16="http://schemas.microsoft.com/office/drawing/2014/main" id="{EC5755CC-37AE-DCA8-A66E-A3B853B8F98C}"/>
+                <a16:creationId xmlns:a16="http://schemas.microsoft.com/office/drawing/2014/main" id="{D515E266-2866-D36E-DA5F-3DB99AC59DEC}"/>
               </a:ext>
             </a:extLst>
           </p:cNvPr>
@@ -2286,7 +2286,7 @@
           <p:cNvPr id="4" name="文本占位符 3">
             <a:extLst>
               <a:ext uri="{FF2B5EF4-FFF2-40B4-BE49-F238E27FC236}">
-                <a16:creationId xmlns:a16="http://schemas.microsoft.com/office/drawing/2014/main" id="{3A41B090-8FC3-1461-309F-3A5259894C8C}"/>
+                <a16:creationId xmlns:a16="http://schemas.microsoft.com/office/drawing/2014/main" id="{B7599E83-91D6-4E18-19D5-0E02844E2BBC}"/>
               </a:ext>
             </a:extLst>
           </p:cNvPr>
@@ -2357,7 +2357,7 @@
           <p:cNvPr id="5" name="日期占位符 4">
             <a:extLst>
               <a:ext uri="{FF2B5EF4-FFF2-40B4-BE49-F238E27FC236}">
-                <a16:creationId xmlns:a16="http://schemas.microsoft.com/office/drawing/2014/main" id="{BD4D77DF-78A1-1D5B-0DAD-72DC7576DEEE}"/>
+                <a16:creationId xmlns:a16="http://schemas.microsoft.com/office/drawing/2014/main" id="{5CC6EF7B-A646-7E32-9313-8E8DB36E6C1C}"/>
               </a:ext>
             </a:extLst>
           </p:cNvPr>
@@ -2373,7 +2373,7 @@
           <a:bodyPr/>
           <a:lstStyle/>
           <a:p>
-            <a:fld id="{8104BA91-C016-48A5-B651-CE670BA1F4EB}" type="datetimeFigureOut">
+            <a:fld id="{4ADF5A55-8FDA-4139-96F4-486CEB3D9136}" type="datetimeFigureOut">
               <a:rPr lang="zh-CN" altLang="en-US" smtClean="0"/>
               <a:t>2024/3/10</a:t>
             </a:fld>
@@ -2386,7 +2386,7 @@
           <p:cNvPr id="6" name="页脚占位符 5">
             <a:extLst>
               <a:ext uri="{FF2B5EF4-FFF2-40B4-BE49-F238E27FC236}">
-                <a16:creationId xmlns:a16="http://schemas.microsoft.com/office/drawing/2014/main" id="{56F0EC4F-785E-B13A-C870-B2204588CC1A}"/>
+                <a16:creationId xmlns:a16="http://schemas.microsoft.com/office/drawing/2014/main" id="{E3A6682F-EE3D-0451-6E78-E418AEEA8C81}"/>
               </a:ext>
             </a:extLst>
           </p:cNvPr>
@@ -2411,7 +2411,7 @@
           <p:cNvPr id="7" name="灯片编号占位符 6">
             <a:extLst>
               <a:ext uri="{FF2B5EF4-FFF2-40B4-BE49-F238E27FC236}">
-                <a16:creationId xmlns:a16="http://schemas.microsoft.com/office/drawing/2014/main" id="{BA6BC80D-F27A-539B-ABFF-1E7660A172FD}"/>
+                <a16:creationId xmlns:a16="http://schemas.microsoft.com/office/drawing/2014/main" id="{5F81E61A-0938-C0EB-2BCB-250E4DEA0E11}"/>
               </a:ext>
             </a:extLst>
           </p:cNvPr>
@@ -2427,7 +2427,7 @@
           <a:bodyPr/>
           <a:lstStyle/>
           <a:p>
-            <a:fld id="{13462C30-0BDD-469B-9D35-53CBAFEF91CA}" type="slidenum">
+            <a:fld id="{F2969085-862C-47E9-AE1D-D75C96945335}" type="slidenum">
               <a:rPr lang="zh-CN" altLang="en-US" smtClean="0"/>
               <a:t>‹#›</a:t>
             </a:fld>
@@ -2438,7 +2438,7 @@
     </p:spTree>
     <p:extLst>
       <p:ext uri="{BB962C8B-B14F-4D97-AF65-F5344CB8AC3E}">
-        <p14:creationId xmlns:p14="http://schemas.microsoft.com/office/powerpoint/2010/main" val="1488029337"/>
+        <p14:creationId xmlns:p14="http://schemas.microsoft.com/office/powerpoint/2010/main" val="2322361892"/>
       </p:ext>
     </p:extLst>
   </p:cSld>
@@ -2470,7 +2470,7 @@
           <p:cNvPr id="2" name="标题 1">
             <a:extLst>
               <a:ext uri="{FF2B5EF4-FFF2-40B4-BE49-F238E27FC236}">
-                <a16:creationId xmlns:a16="http://schemas.microsoft.com/office/drawing/2014/main" id="{AFA9F1E8-95D7-49A8-82CA-1A19614BF6BB}"/>
+                <a16:creationId xmlns:a16="http://schemas.microsoft.com/office/drawing/2014/main" id="{31C1497C-DC0A-C3A1-9104-F0686B87456C}"/>
               </a:ext>
             </a:extLst>
           </p:cNvPr>
@@ -2507,7 +2507,7 @@
           <p:cNvPr id="3" name="图片占位符 2">
             <a:extLst>
               <a:ext uri="{FF2B5EF4-FFF2-40B4-BE49-F238E27FC236}">
-                <a16:creationId xmlns:a16="http://schemas.microsoft.com/office/drawing/2014/main" id="{F02452C9-920A-2E80-820F-B53BE2D8576E}"/>
+                <a16:creationId xmlns:a16="http://schemas.microsoft.com/office/drawing/2014/main" id="{12262697-44CF-5C33-6675-9F205AFEF1CF}"/>
               </a:ext>
             </a:extLst>
           </p:cNvPr>
@@ -2574,7 +2574,7 @@
           <p:cNvPr id="4" name="文本占位符 3">
             <a:extLst>
               <a:ext uri="{FF2B5EF4-FFF2-40B4-BE49-F238E27FC236}">
-                <a16:creationId xmlns:a16="http://schemas.microsoft.com/office/drawing/2014/main" id="{290EA4EC-FA79-8CFB-10DC-1F398D18DA92}"/>
+                <a16:creationId xmlns:a16="http://schemas.microsoft.com/office/drawing/2014/main" id="{608F0049-4A32-78A4-1A16-D67156E8CD3C}"/>
               </a:ext>
             </a:extLst>
           </p:cNvPr>
@@ -2645,7 +2645,7 @@
           <p:cNvPr id="5" name="日期占位符 4">
             <a:extLst>
               <a:ext uri="{FF2B5EF4-FFF2-40B4-BE49-F238E27FC236}">
-                <a16:creationId xmlns:a16="http://schemas.microsoft.com/office/drawing/2014/main" id="{A74B9525-EA6D-E3D9-0700-90A0D31DBBE0}"/>
+                <a16:creationId xmlns:a16="http://schemas.microsoft.com/office/drawing/2014/main" id="{924629C1-2279-754C-57A3-8E74991225BF}"/>
               </a:ext>
             </a:extLst>
           </p:cNvPr>
@@ -2661,7 +2661,7 @@
           <a:bodyPr/>
           <a:lstStyle/>
           <a:p>
-            <a:fld id="{8104BA91-C016-48A5-B651-CE670BA1F4EB}" type="datetimeFigureOut">
+            <a:fld id="{4ADF5A55-8FDA-4139-96F4-486CEB3D9136}" type="datetimeFigureOut">
               <a:rPr lang="zh-CN" altLang="en-US" smtClean="0"/>
               <a:t>2024/3/10</a:t>
             </a:fld>
@@ -2674,7 +2674,7 @@
           <p:cNvPr id="6" name="页脚占位符 5">
             <a:extLst>
               <a:ext uri="{FF2B5EF4-FFF2-40B4-BE49-F238E27FC236}">
-                <a16:creationId xmlns:a16="http://schemas.microsoft.com/office/drawing/2014/main" id="{A1FE205C-3F29-E5AF-7539-BF429D55F2E3}"/>
+                <a16:creationId xmlns:a16="http://schemas.microsoft.com/office/drawing/2014/main" id="{6FF532BC-42E2-DB97-E1B5-D0206C80FD92}"/>
               </a:ext>
             </a:extLst>
           </p:cNvPr>
@@ -2699,7 +2699,7 @@
           <p:cNvPr id="7" name="灯片编号占位符 6">
             <a:extLst>
               <a:ext uri="{FF2B5EF4-FFF2-40B4-BE49-F238E27FC236}">
-                <a16:creationId xmlns:a16="http://schemas.microsoft.com/office/drawing/2014/main" id="{19F7C2F9-665A-54E9-9B05-1F77F51F2C69}"/>
+                <a16:creationId xmlns:a16="http://schemas.microsoft.com/office/drawing/2014/main" id="{47C5D91C-982E-1FF3-7538-DF6C22245317}"/>
               </a:ext>
             </a:extLst>
           </p:cNvPr>
@@ -2715,7 +2715,7 @@
           <a:bodyPr/>
           <a:lstStyle/>
           <a:p>
-            <a:fld id="{13462C30-0BDD-469B-9D35-53CBAFEF91CA}" type="slidenum">
+            <a:fld id="{F2969085-862C-47E9-AE1D-D75C96945335}" type="slidenum">
               <a:rPr lang="zh-CN" altLang="en-US" smtClean="0"/>
               <a:t>‹#›</a:t>
             </a:fld>
@@ -2726,7 +2726,7 @@
     </p:spTree>
     <p:extLst>
       <p:ext uri="{BB962C8B-B14F-4D97-AF65-F5344CB8AC3E}">
-        <p14:creationId xmlns:p14="http://schemas.microsoft.com/office/powerpoint/2010/main" val="3037342048"/>
+        <p14:creationId xmlns:p14="http://schemas.microsoft.com/office/powerpoint/2010/main" val="1469661831"/>
       </p:ext>
     </p:extLst>
   </p:cSld>
@@ -2763,7 +2763,7 @@
           <p:cNvPr id="2" name="标题占位符 1">
             <a:extLst>
               <a:ext uri="{FF2B5EF4-FFF2-40B4-BE49-F238E27FC236}">
-                <a16:creationId xmlns:a16="http://schemas.microsoft.com/office/drawing/2014/main" id="{03BE3AE6-CD38-DA5C-51D9-750A074112BB}"/>
+                <a16:creationId xmlns:a16="http://schemas.microsoft.com/office/drawing/2014/main" id="{040CBA4C-AD57-C62A-FAC8-C0950AA37967}"/>
               </a:ext>
             </a:extLst>
           </p:cNvPr>
@@ -2801,7 +2801,7 @@
           <p:cNvPr id="3" name="文本占位符 2">
             <a:extLst>
               <a:ext uri="{FF2B5EF4-FFF2-40B4-BE49-F238E27FC236}">
-                <a16:creationId xmlns:a16="http://schemas.microsoft.com/office/drawing/2014/main" id="{0D38F7CD-9DB8-E9B0-EDFD-C975F8B2E35E}"/>
+                <a16:creationId xmlns:a16="http://schemas.microsoft.com/office/drawing/2014/main" id="{C402B00B-EDB9-58F4-F7FD-44D9E8905E0C}"/>
               </a:ext>
             </a:extLst>
           </p:cNvPr>
@@ -2868,7 +2868,7 @@
           <p:cNvPr id="4" name="日期占位符 3">
             <a:extLst>
               <a:ext uri="{FF2B5EF4-FFF2-40B4-BE49-F238E27FC236}">
-                <a16:creationId xmlns:a16="http://schemas.microsoft.com/office/drawing/2014/main" id="{D28658AD-3732-DE60-6B88-B13A6A8563EF}"/>
+                <a16:creationId xmlns:a16="http://schemas.microsoft.com/office/drawing/2014/main" id="{F0D441E2-6C8F-2203-5F17-A7897F7F98B8}"/>
               </a:ext>
             </a:extLst>
           </p:cNvPr>
@@ -2902,7 +2902,7 @@
             </a:lvl1pPr>
           </a:lstStyle>
           <a:p>
-            <a:fld id="{8104BA91-C016-48A5-B651-CE670BA1F4EB}" type="datetimeFigureOut">
+            <a:fld id="{4ADF5A55-8FDA-4139-96F4-486CEB3D9136}" type="datetimeFigureOut">
               <a:rPr lang="zh-CN" altLang="en-US" smtClean="0"/>
               <a:t>2024/3/10</a:t>
             </a:fld>
@@ -2915,7 +2915,7 @@
           <p:cNvPr id="5" name="页脚占位符 4">
             <a:extLst>
               <a:ext uri="{FF2B5EF4-FFF2-40B4-BE49-F238E27FC236}">
-                <a16:creationId xmlns:a16="http://schemas.microsoft.com/office/drawing/2014/main" id="{62945481-5ED2-C988-B8E0-7129926E4C35}"/>
+                <a16:creationId xmlns:a16="http://schemas.microsoft.com/office/drawing/2014/main" id="{6426E0FA-C3BC-395F-633B-7FA335D15B82}"/>
               </a:ext>
             </a:extLst>
           </p:cNvPr>
@@ -2958,7 +2958,7 @@
           <p:cNvPr id="6" name="灯片编号占位符 5">
             <a:extLst>
               <a:ext uri="{FF2B5EF4-FFF2-40B4-BE49-F238E27FC236}">
-                <a16:creationId xmlns:a16="http://schemas.microsoft.com/office/drawing/2014/main" id="{C35F7672-1C41-07BF-4BA4-5BED980BA564}"/>
+                <a16:creationId xmlns:a16="http://schemas.microsoft.com/office/drawing/2014/main" id="{BE72A0AF-321E-22C3-922E-CE39754B3A68}"/>
               </a:ext>
             </a:extLst>
           </p:cNvPr>
@@ -2992,7 +2992,7 @@
             </a:lvl1pPr>
           </a:lstStyle>
           <a:p>
-            <a:fld id="{13462C30-0BDD-469B-9D35-53CBAFEF91CA}" type="slidenum">
+            <a:fld id="{F2969085-862C-47E9-AE1D-D75C96945335}" type="slidenum">
               <a:rPr lang="zh-CN" altLang="en-US" smtClean="0"/>
               <a:t>‹#›</a:t>
             </a:fld>
@@ -3003,7 +3003,7 @@
     </p:spTree>
     <p:extLst>
       <p:ext uri="{BB962C8B-B14F-4D97-AF65-F5344CB8AC3E}">
-        <p14:creationId xmlns:p14="http://schemas.microsoft.com/office/powerpoint/2010/main" val="2507339393"/>
+        <p14:creationId xmlns:p14="http://schemas.microsoft.com/office/powerpoint/2010/main" val="1627556777"/>
       </p:ext>
     </p:extLst>
   </p:cSld>
